--- a/projekti_ettekanne.pptx
+++ b/projekti_ettekanne.pptx
@@ -3563,8 +3563,23 @@
                 <a:latin typeface="Arial" panose="020B0604020202020204" pitchFamily="34" charset="0"/>
                 <a:cs typeface="Arial" panose="020B0604020202020204" pitchFamily="34" charset="0"/>
               </a:rPr>
-              <a:t>Kahe ainega korraga tegelemine</a:t>
-            </a:r>
+              <a:t>Kahe ainega korraga </a:t>
+            </a:r>
+            <a:r>
+              <a:rPr lang="et-EE" dirty="0" smtClean="0">
+                <a:latin typeface="Arial" panose="020B0604020202020204" pitchFamily="34" charset="0"/>
+                <a:cs typeface="Arial" panose="020B0604020202020204" pitchFamily="34" charset="0"/>
+              </a:rPr>
+              <a:t>tegelemine</a:t>
+            </a:r>
+          </a:p>
+          <a:p>
+            <a:endParaRPr lang="et-EE" dirty="0">
+              <a:latin typeface="Arial" panose="020B0604020202020204" pitchFamily="34" charset="0"/>
+              <a:cs typeface="Arial" panose="020B0604020202020204" pitchFamily="34" charset="0"/>
+            </a:endParaRPr>
+          </a:p>
+          <a:p>
             <a:endParaRPr lang="en-GB" dirty="0">
               <a:latin typeface="Arial" panose="020B0604020202020204" pitchFamily="34" charset="0"/>
               <a:cs typeface="Arial" panose="020B0604020202020204" pitchFamily="34" charset="0"/>
@@ -3678,8 +3693,91 @@
                 <a:latin typeface="Arial" panose="020B0604020202020204" pitchFamily="34" charset="0"/>
                 <a:cs typeface="Arial" panose="020B0604020202020204" pitchFamily="34" charset="0"/>
               </a:rPr>
-              <a:t>Programmi käitumine pärast küsimusele vastamist</a:t>
-            </a:r>
+              <a:t>Programmi käitumine pärast küsimusele </a:t>
+            </a:r>
+            <a:r>
+              <a:rPr lang="et-EE" dirty="0" smtClean="0">
+                <a:latin typeface="Arial" panose="020B0604020202020204" pitchFamily="34" charset="0"/>
+                <a:cs typeface="Arial" panose="020B0604020202020204" pitchFamily="34" charset="0"/>
+              </a:rPr>
+              <a:t>vastamist</a:t>
+            </a:r>
+          </a:p>
+          <a:p>
+            <a:endParaRPr lang="et-EE" dirty="0">
+              <a:latin typeface="Arial" panose="020B0604020202020204" pitchFamily="34" charset="0"/>
+              <a:cs typeface="Arial" panose="020B0604020202020204" pitchFamily="34" charset="0"/>
+            </a:endParaRPr>
+          </a:p>
+          <a:p>
+            <a:r>
+              <a:rPr lang="et-EE" dirty="0" smtClean="0">
+                <a:latin typeface="Arial" panose="020B0604020202020204" pitchFamily="34" charset="0"/>
+                <a:cs typeface="Arial" panose="020B0604020202020204" pitchFamily="34" charset="0"/>
+              </a:rPr>
+              <a:t>Programmi disain (</a:t>
+            </a:r>
+            <a:r>
+              <a:rPr lang="et-EE" dirty="0" err="1" smtClean="0">
+                <a:latin typeface="Arial" panose="020B0604020202020204" pitchFamily="34" charset="0"/>
+                <a:cs typeface="Arial" panose="020B0604020202020204" pitchFamily="34" charset="0"/>
+              </a:rPr>
+              <a:t>ttkthemes</a:t>
+            </a:r>
+            <a:r>
+              <a:rPr lang="et-EE" dirty="0" smtClean="0">
+                <a:latin typeface="Arial" panose="020B0604020202020204" pitchFamily="34" charset="0"/>
+                <a:cs typeface="Arial" panose="020B0604020202020204" pitchFamily="34" charset="0"/>
+              </a:rPr>
+              <a:t>)</a:t>
+            </a:r>
+          </a:p>
+          <a:p>
+            <a:endParaRPr lang="et-EE" dirty="0">
+              <a:latin typeface="Arial" panose="020B0604020202020204" pitchFamily="34" charset="0"/>
+              <a:cs typeface="Arial" panose="020B0604020202020204" pitchFamily="34" charset="0"/>
+            </a:endParaRPr>
+          </a:p>
+          <a:p>
+            <a:r>
+              <a:rPr lang="et-EE" dirty="0" smtClean="0">
+                <a:latin typeface="Arial" panose="020B0604020202020204" pitchFamily="34" charset="0"/>
+                <a:cs typeface="Arial" panose="020B0604020202020204" pitchFamily="34" charset="0"/>
+              </a:rPr>
+              <a:t>Programmi </a:t>
+            </a:r>
+            <a:r>
+              <a:rPr lang="et-EE" dirty="0" err="1" smtClean="0">
+                <a:latin typeface="Arial" panose="020B0604020202020204" pitchFamily="34" charset="0"/>
+                <a:cs typeface="Arial" panose="020B0604020202020204" pitchFamily="34" charset="0"/>
+              </a:rPr>
+              <a:t>freezimine</a:t>
+            </a:r>
+            <a:r>
+              <a:rPr lang="et-EE" dirty="0" smtClean="0">
+                <a:latin typeface="Arial" panose="020B0604020202020204" pitchFamily="34" charset="0"/>
+                <a:cs typeface="Arial" panose="020B0604020202020204" pitchFamily="34" charset="0"/>
+              </a:rPr>
+              <a:t> (</a:t>
+            </a:r>
+            <a:r>
+              <a:rPr lang="et-EE" dirty="0" err="1" smtClean="0">
+                <a:latin typeface="Arial" panose="020B0604020202020204" pitchFamily="34" charset="0"/>
+                <a:cs typeface="Arial" panose="020B0604020202020204" pitchFamily="34" charset="0"/>
+              </a:rPr>
+              <a:t>pyinstaller</a:t>
+            </a:r>
+            <a:r>
+              <a:rPr lang="et-EE" dirty="0" smtClean="0">
+                <a:latin typeface="Arial" panose="020B0604020202020204" pitchFamily="34" charset="0"/>
+                <a:cs typeface="Arial" panose="020B0604020202020204" pitchFamily="34" charset="0"/>
+              </a:rPr>
+              <a:t>)</a:t>
+            </a:r>
+            <a:endParaRPr lang="et-EE" dirty="0">
+              <a:latin typeface="Arial" panose="020B0604020202020204" pitchFamily="34" charset="0"/>
+              <a:cs typeface="Arial" panose="020B0604020202020204" pitchFamily="34" charset="0"/>
+            </a:endParaRPr>
           </a:p>
         </p:txBody>
       </p:sp>
@@ -3785,12 +3883,20 @@
           </a:p>
           <a:p>
             <a:r>
-              <a:rPr lang="et-EE" dirty="0">
+              <a:rPr lang="et-EE" dirty="0" smtClean="0">
                 <a:latin typeface="Arial" panose="020B0604020202020204" pitchFamily="34" charset="0"/>
                 <a:cs typeface="Arial" panose="020B0604020202020204" pitchFamily="34" charset="0"/>
               </a:rPr>
               <a:t>Tagasiside</a:t>
             </a:r>
+          </a:p>
+          <a:p>
+            <a:endParaRPr lang="et-EE" dirty="0">
+              <a:latin typeface="Arial" panose="020B0604020202020204" pitchFamily="34" charset="0"/>
+              <a:cs typeface="Arial" panose="020B0604020202020204" pitchFamily="34" charset="0"/>
+            </a:endParaRPr>
+          </a:p>
+          <a:p>
             <a:endParaRPr lang="en-GB" dirty="0">
               <a:latin typeface="Arial" panose="020B0604020202020204" pitchFamily="34" charset="0"/>
               <a:cs typeface="Arial" panose="020B0604020202020204" pitchFamily="34" charset="0"/>
